--- a/documentacion/MIPS Proyecto Final.pptx
+++ b/documentacion/MIPS Proyecto Final.pptx
@@ -20,7 +20,8 @@
     <p:sldId id="267" r:id="rId14"/>
     <p:sldId id="269" r:id="rId15"/>
     <p:sldId id="270" r:id="rId16"/>
-    <p:sldId id="271" r:id="rId17"/>
+    <p:sldId id="272" r:id="rId17"/>
+    <p:sldId id="271" r:id="rId18"/>
   </p:sldIdLst>
   <p:sldSz cx="12192000" cy="6858000"/>
   <p:notesSz cx="6858000" cy="9144000"/>
@@ -222,7 +223,7 @@
           <a:effectLst/>
           <a:extLst>
             <a:ext uri="{91240B29-F687-4f45-9708-019B960494DF}">
-              <a14:hiddenLine xmlns="" xmlns:a14="http://schemas.microsoft.com/office/drawing/2010/main" w="9525">
+              <a14:hiddenLine xmlns:a14="http://schemas.microsoft.com/office/drawing/2010/main" xmlns="" w="9525">
                 <a:solidFill>
                   <a:srgbClr val="000000"/>
                 </a:solidFill>
@@ -415,7 +416,7 @@
             <a:fld id="{08B9EBBA-996F-894A-B54A-D6246ED52CEA}" type="datetimeFigureOut">
               <a:rPr lang="en-US" dirty="0"/>
               <a:pPr/>
-              <a:t>5/28/2020</a:t>
+              <a:t>5/29/2020</a:t>
             </a:fld>
             <a:endParaRPr lang="en-US" dirty="0"/>
           </a:p>
@@ -730,7 +731,7 @@
             <a:fld id="{18C79C5D-2A6F-F04D-97DA-BEF2467B64E4}" type="datetimeFigureOut">
               <a:rPr lang="en-US" dirty="0"/>
               <a:pPr/>
-              <a:t>5/28/2020</a:t>
+              <a:t>5/29/2020</a:t>
             </a:fld>
             <a:endParaRPr lang="en-US" dirty="0"/>
           </a:p>
@@ -1215,7 +1216,7 @@
             <a:fld id="{8DFA1846-DA80-1C48-A609-854EA85C59AD}" type="datetimeFigureOut">
               <a:rPr lang="en-US" dirty="0"/>
               <a:pPr/>
-              <a:t>5/28/2020</a:t>
+              <a:t>5/29/2020</a:t>
             </a:fld>
             <a:endParaRPr lang="en-US" dirty="0"/>
           </a:p>
@@ -1581,7 +1582,7 @@
             <a:fld id="{FBF54567-0DE4-3F47-BF90-CB84690072F9}" type="datetimeFigureOut">
               <a:rPr lang="en-US" dirty="0"/>
               <a:pPr/>
-              <a:t>5/28/2020</a:t>
+              <a:t>5/29/2020</a:t>
             </a:fld>
             <a:endParaRPr lang="en-US" dirty="0"/>
           </a:p>
@@ -1732,7 +1733,7 @@
           <a:ln/>
           <a:extLst>
             <a:ext uri="{91240B29-F687-4f45-9708-019B960494DF}">
-              <a14:hiddenLine xmlns="" xmlns:a14="http://schemas.microsoft.com/office/drawing/2010/main" w="9525">
+              <a14:hiddenLine xmlns:a14="http://schemas.microsoft.com/office/drawing/2010/main" xmlns="" w="9525">
                 <a:solidFill>
                   <a:srgbClr val="000000"/>
                 </a:solidFill>
@@ -1851,7 +1852,7 @@
             <a:fld id="{C6C52C72-DE31-F449-A4ED-4C594FD91407}" type="datetimeFigureOut">
               <a:rPr lang="en-US" dirty="0"/>
               <a:pPr/>
-              <a:t>5/28/2020</a:t>
+              <a:t>5/29/2020</a:t>
             </a:fld>
             <a:endParaRPr lang="en-US" dirty="0"/>
           </a:p>
@@ -2004,7 +2005,7 @@
           <a:ln/>
           <a:extLst>
             <a:ext uri="{91240B29-F687-4f45-9708-019B960494DF}">
-              <a14:hiddenLine xmlns="" xmlns:a14="http://schemas.microsoft.com/office/drawing/2010/main" w="9525">
+              <a14:hiddenLine xmlns:a14="http://schemas.microsoft.com/office/drawing/2010/main" xmlns="" w="9525">
                 <a:solidFill>
                   <a:srgbClr val="000000"/>
                 </a:solidFill>
@@ -2133,7 +2134,7 @@
             <a:fld id="{ED62726E-379B-B349-9EED-81ED093FA806}" type="datetimeFigureOut">
               <a:rPr lang="en-US" dirty="0"/>
               <a:pPr/>
-              <a:t>5/28/2020</a:t>
+              <a:t>5/29/2020</a:t>
             </a:fld>
             <a:endParaRPr lang="en-US" dirty="0"/>
           </a:p>
@@ -2284,7 +2285,7 @@
           <a:ln/>
           <a:extLst>
             <a:ext uri="{91240B29-F687-4f45-9708-019B960494DF}">
-              <a14:hiddenLine xmlns="" xmlns:a14="http://schemas.microsoft.com/office/drawing/2010/main" w="9525">
+              <a14:hiddenLine xmlns:a14="http://schemas.microsoft.com/office/drawing/2010/main" xmlns="" w="9525">
                 <a:solidFill>
                   <a:srgbClr val="000000"/>
                 </a:solidFill>
@@ -2413,7 +2414,7 @@
             <a:fld id="{9B3A1323-8D79-1946-B0D7-40001CF92E9D}" type="datetimeFigureOut">
               <a:rPr lang="en-US" dirty="0"/>
               <a:pPr/>
-              <a:t>5/28/2020</a:t>
+              <a:t>5/29/2020</a:t>
             </a:fld>
             <a:endParaRPr lang="en-US" dirty="0"/>
           </a:p>
@@ -2753,7 +2754,7 @@
             <a:fld id="{8DFA1846-DA80-1C48-A609-854EA85C59AD}" type="datetimeFigureOut">
               <a:rPr lang="en-US" dirty="0"/>
               <a:pPr/>
-              <a:t>5/28/2020</a:t>
+              <a:t>5/29/2020</a:t>
             </a:fld>
             <a:endParaRPr lang="en-US" dirty="0"/>
           </a:p>
@@ -2904,7 +2905,7 @@
           <a:ln/>
           <a:extLst>
             <a:ext uri="{91240B29-F687-4f45-9708-019B960494DF}">
-              <a14:hiddenLine xmlns="" xmlns:a14="http://schemas.microsoft.com/office/drawing/2010/main" w="9525">
+              <a14:hiddenLine xmlns:a14="http://schemas.microsoft.com/office/drawing/2010/main" xmlns="" w="9525">
                 <a:solidFill>
                   <a:srgbClr val="000000"/>
                 </a:solidFill>
@@ -3089,7 +3090,7 @@
             <a:fld id="{57302355-E14B-8545-A8F8-0FE83CC9D524}" type="datetimeFigureOut">
               <a:rPr lang="en-US" dirty="0"/>
               <a:pPr/>
-              <a:t>5/28/2020</a:t>
+              <a:t>5/29/2020</a:t>
             </a:fld>
             <a:endParaRPr lang="en-US" dirty="0"/>
           </a:p>
@@ -3240,7 +3241,7 @@
           <a:ln/>
           <a:extLst>
             <a:ext uri="{91240B29-F687-4f45-9708-019B960494DF}">
-              <a14:hiddenLine xmlns="" xmlns:a14="http://schemas.microsoft.com/office/drawing/2010/main" w="9525">
+              <a14:hiddenLine xmlns:a14="http://schemas.microsoft.com/office/drawing/2010/main" xmlns="" w="9525">
                 <a:solidFill>
                   <a:srgbClr val="000000"/>
                 </a:solidFill>
@@ -3563,7 +3564,7 @@
             <a:fld id="{02640F58-564D-2B4F-AE67-E407BA4FCF45}" type="datetimeFigureOut">
               <a:rPr lang="en-US" dirty="0"/>
               <a:pPr/>
-              <a:t>5/28/2020</a:t>
+              <a:t>5/29/2020</a:t>
             </a:fld>
             <a:endParaRPr lang="en-US" dirty="0"/>
           </a:p>
@@ -3714,7 +3715,7 @@
           <a:ln/>
           <a:extLst>
             <a:ext uri="{91240B29-F687-4f45-9708-019B960494DF}">
-              <a14:hiddenLine xmlns="" xmlns:a14="http://schemas.microsoft.com/office/drawing/2010/main" w="9525">
+              <a14:hiddenLine xmlns:a14="http://schemas.microsoft.com/office/drawing/2010/main" xmlns="" w="9525">
                 <a:solidFill>
                   <a:srgbClr val="000000"/>
                 </a:solidFill>
@@ -3781,7 +3782,7 @@
             <a:fld id="{F13A34C8-038E-2045-AF43-DF7DBB8E0E9E}" type="datetimeFigureOut">
               <a:rPr lang="en-US" dirty="0"/>
               <a:pPr/>
-              <a:t>5/28/2020</a:t>
+              <a:t>5/29/2020</a:t>
             </a:fld>
             <a:endParaRPr lang="en-US" dirty="0"/>
           </a:p>
@@ -3873,7 +3874,7 @@
             <a:fld id="{8818C68F-D26B-8F47-958C-23B49CF8A634}" type="datetimeFigureOut">
               <a:rPr lang="en-US" dirty="0"/>
               <a:pPr/>
-              <a:t>5/28/2020</a:t>
+              <a:t>5/29/2020</a:t>
             </a:fld>
             <a:endParaRPr lang="en-US" dirty="0"/>
           </a:p>
@@ -4137,7 +4138,7 @@
           <a:ln/>
           <a:extLst>
             <a:ext uri="{91240B29-F687-4f45-9708-019B960494DF}">
-              <a14:hiddenLine xmlns="" xmlns:a14="http://schemas.microsoft.com/office/drawing/2010/main" w="9525">
+              <a14:hiddenLine xmlns:a14="http://schemas.microsoft.com/office/drawing/2010/main" xmlns="" w="9525">
                 <a:solidFill>
                   <a:srgbClr val="000000"/>
                 </a:solidFill>
@@ -4337,7 +4338,7 @@
             <a:fld id="{D0DF5E60-9974-AC48-9591-99C2BB44B7CF}" type="datetimeFigureOut">
               <a:rPr lang="en-US" dirty="0"/>
               <a:pPr/>
-              <a:t>5/28/2020</a:t>
+              <a:t>5/29/2020</a:t>
             </a:fld>
             <a:endParaRPr lang="en-US" dirty="0"/>
           </a:p>
@@ -4647,7 +4648,7 @@
             <a:fld id="{18C79C5D-2A6F-F04D-97DA-BEF2467B64E4}" type="datetimeFigureOut">
               <a:rPr lang="en-US" dirty="0"/>
               <a:pPr/>
-              <a:t>5/28/2020</a:t>
+              <a:t>5/29/2020</a:t>
             </a:fld>
             <a:endParaRPr lang="en-US" dirty="0"/>
           </a:p>
@@ -4914,7 +4915,7 @@
             <a:fld id="{09B482E8-6E0E-1B4F-B1FD-C69DB9E858D9}" type="datetimeFigureOut">
               <a:rPr lang="en-US" dirty="0"/>
               <a:pPr/>
-              <a:t>5/28/2020</a:t>
+              <a:t>5/29/2020</a:t>
             </a:fld>
             <a:endParaRPr lang="en-US" dirty="0"/>
           </a:p>
@@ -5938,7 +5939,7 @@
           <a:effectLst/>
           <a:extLst>
             <a:ext uri="{91240B29-F687-4f45-9708-019B960494DF}">
-              <a14:hiddenLine xmlns:a16="http://schemas.microsoft.com/office/drawing/2014/main" xmlns:p14="http://schemas.microsoft.com/office/powerpoint/2010/main" xmlns:a14="http://schemas.microsoft.com/office/drawing/2010/main" xmlns="" w="9525">
+              <a14:hiddenLine xmlns="" xmlns:a14="http://schemas.microsoft.com/office/drawing/2010/main" xmlns:p14="http://schemas.microsoft.com/office/powerpoint/2010/main" xmlns:a16="http://schemas.microsoft.com/office/drawing/2014/main" w="9525">
                 <a:solidFill>
                   <a:srgbClr val="000000"/>
                 </a:solidFill>
@@ -6175,7 +6176,7 @@
           <a:effectLst/>
           <a:extLst>
             <a:ext uri="{91240B29-F687-4f45-9708-019B960494DF}">
-              <a14:hiddenLine xmlns:a14="http://schemas.microsoft.com/office/drawing/2010/main" xmlns:p14="http://schemas.microsoft.com/office/powerpoint/2010/main" xmlns:a16="http://schemas.microsoft.com/office/drawing/2014/main" xmlns="" w="9525">
+              <a14:hiddenLine xmlns="" xmlns:a16="http://schemas.microsoft.com/office/drawing/2014/main" xmlns:p14="http://schemas.microsoft.com/office/powerpoint/2010/main" xmlns:a14="http://schemas.microsoft.com/office/drawing/2010/main" w="9525">
                 <a:solidFill>
                   <a:srgbClr val="000000"/>
                 </a:solidFill>
@@ -7003,7 +7004,7 @@
           <a:effectLst/>
           <a:extLst>
             <a:ext uri="{91240B29-F687-4f45-9708-019B960494DF}">
-              <a14:hiddenLine xmlns:a14="http://schemas.microsoft.com/office/drawing/2010/main" xmlns:p14="http://schemas.microsoft.com/office/powerpoint/2010/main" xmlns:a16="http://schemas.microsoft.com/office/drawing/2014/main" xmlns="" w="9525">
+              <a14:hiddenLine xmlns="" xmlns:a16="http://schemas.microsoft.com/office/drawing/2014/main" xmlns:p14="http://schemas.microsoft.com/office/powerpoint/2010/main" xmlns:a14="http://schemas.microsoft.com/office/drawing/2010/main" w="9525">
                 <a:solidFill>
                   <a:srgbClr val="000000"/>
                 </a:solidFill>
@@ -7820,130 +7821,6 @@
 <file path=ppt/slides/slide16.xml><?xml version="1.0" encoding="utf-8"?>
 <p:sld xmlns:a="http://schemas.openxmlformats.org/drawingml/2006/main" xmlns:r="http://schemas.openxmlformats.org/officeDocument/2006/relationships" xmlns:p="http://schemas.openxmlformats.org/presentationml/2006/main">
   <p:cSld>
-    <p:spTree>
-      <p:nvGrpSpPr>
-        <p:cNvPr id="1" name=""/>
-        <p:cNvGrpSpPr/>
-        <p:nvPr/>
-      </p:nvGrpSpPr>
-      <p:grpSpPr>
-        <a:xfrm>
-          <a:off x="0" y="0"/>
-          <a:ext cx="0" cy="0"/>
-          <a:chOff x="0" y="0"/>
-          <a:chExt cx="0" cy="0"/>
-        </a:xfrm>
-      </p:grpSpPr>
-      <p:sp>
-        <p:nvSpPr>
-          <p:cNvPr id="2" name="Título 1">
-            <a:extLst>
-              <a:ext uri="{FF2B5EF4-FFF2-40B4-BE49-F238E27FC236}">
-                <a16:creationId xmlns:a16="http://schemas.microsoft.com/office/drawing/2014/main" id="{A935BD1B-708C-4B65-8CFE-F176305CBCD5}"/>
-              </a:ext>
-            </a:extLst>
-          </p:cNvPr>
-          <p:cNvSpPr>
-            <a:spLocks noGrp="1"/>
-          </p:cNvSpPr>
-          <p:nvPr>
-            <p:ph type="title"/>
-          </p:nvPr>
-        </p:nvSpPr>
-        <p:spPr/>
-        <p:txBody>
-          <a:bodyPr/>
-          <a:lstStyle/>
-          <a:p>
-            <a:r>
-              <a:rPr lang="es-MX" dirty="0"/>
-              <a:t>Referencias</a:t>
-            </a:r>
-          </a:p>
-        </p:txBody>
-      </p:sp>
-      <p:sp>
-        <p:nvSpPr>
-          <p:cNvPr id="3" name="Marcador de contenido 2">
-            <a:extLst>
-              <a:ext uri="{FF2B5EF4-FFF2-40B4-BE49-F238E27FC236}">
-                <a16:creationId xmlns:a16="http://schemas.microsoft.com/office/drawing/2014/main" id="{E1F00883-9636-4395-A5F0-FADE0A165404}"/>
-              </a:ext>
-            </a:extLst>
-          </p:cNvPr>
-          <p:cNvSpPr>
-            <a:spLocks noGrp="1"/>
-          </p:cNvSpPr>
-          <p:nvPr>
-            <p:ph idx="1"/>
-          </p:nvPr>
-        </p:nvSpPr>
-        <p:spPr/>
-        <p:txBody>
-          <a:bodyPr/>
-          <a:lstStyle/>
-          <a:p>
-            <a:pPr marL="0" indent="0">
-              <a:buNone/>
-            </a:pPr>
-            <a:r>
-              <a:rPr lang="en-US" dirty="0"/>
-              <a:t>The MIPS32 MIPS Architecture for Programmers  Volume </a:t>
-            </a:r>
-            <a:r>
-              <a:rPr lang="en-US" dirty="0" err="1"/>
-              <a:t>ll</a:t>
-            </a:r>
-            <a:r>
-              <a:rPr lang="en-US" dirty="0"/>
-              <a:t>-A http://www.nec.co.jp/press/en/9801/2002.html Computer Organization and Design</a:t>
-            </a:r>
-          </a:p>
-          <a:p>
-            <a:pPr marL="0" indent="0">
-              <a:buNone/>
-            </a:pPr>
-            <a:r>
-              <a:rPr lang="en-US" dirty="0"/>
-              <a:t> 5thEdition David A. Patterson/</a:t>
-            </a:r>
-            <a:r>
-              <a:rPr lang="en-US" dirty="0" err="1"/>
-              <a:t>Jhon</a:t>
-            </a:r>
-            <a:r>
-              <a:rPr lang="en-US" dirty="0"/>
-              <a:t> L. Hennessy</a:t>
-            </a:r>
-          </a:p>
-          <a:p>
-            <a:pPr marL="0" indent="0">
-              <a:buNone/>
-            </a:pPr>
-            <a:r>
-              <a:rPr lang="en-US" dirty="0"/>
-              <a:t>https://web.archive.org/web/20150719075343/http://www.sumagamer.com/noticias/newhorizons-mismo-procesador-playstation/ </a:t>
-            </a:r>
-            <a:endParaRPr lang="es-MX" dirty="0"/>
-          </a:p>
-        </p:txBody>
-      </p:sp>
-    </p:spTree>
-    <p:extLst>
-      <p:ext uri="{BB962C8B-B14F-4D97-AF65-F5344CB8AC3E}">
-        <p14:creationId xmlns:p14="http://schemas.microsoft.com/office/powerpoint/2010/main" val="802967408"/>
-      </p:ext>
-    </p:extLst>
-  </p:cSld>
-  <p:clrMapOvr>
-    <a:masterClrMapping/>
-  </p:clrMapOvr>
-</p:sld>
-</file>
-
-<file path=ppt/slides/slide2.xml><?xml version="1.0" encoding="utf-8"?>
-<p:sld xmlns:a="http://schemas.openxmlformats.org/drawingml/2006/main" xmlns:r="http://schemas.openxmlformats.org/officeDocument/2006/relationships" xmlns:p="http://schemas.openxmlformats.org/presentationml/2006/main">
-  <p:cSld>
     <p:bg>
       <p:bgPr>
         <a:solidFill>
@@ -8239,7 +8116,7 @@
           <a:effectLst/>
           <a:extLst>
             <a:ext uri="{91240B29-F687-4f45-9708-019B960494DF}">
-              <a14:hiddenLine xmlns:a16="http://schemas.microsoft.com/office/drawing/2014/main" xmlns:p14="http://schemas.microsoft.com/office/powerpoint/2010/main" xmlns:a14="http://schemas.microsoft.com/office/drawing/2010/main" xmlns="" w="9525">
+              <a14:hiddenLine xmlns="" xmlns:a14="http://schemas.microsoft.com/office/drawing/2010/main" xmlns:p14="http://schemas.microsoft.com/office/powerpoint/2010/main" xmlns:a16="http://schemas.microsoft.com/office/drawing/2014/main" w="9525">
                 <a:solidFill>
                   <a:srgbClr val="000000"/>
                 </a:solidFill>
@@ -8270,7 +8147,7 @@
           <p:cNvPr id="2" name="Título 1">
             <a:extLst>
               <a:ext uri="{FF2B5EF4-FFF2-40B4-BE49-F238E27FC236}">
-                <a16:creationId xmlns:a16="http://schemas.microsoft.com/office/drawing/2014/main" id="{283F1C7C-7D2B-4E24-924C-EF0FA543BB98}"/>
+                <a16:creationId xmlns:a16="http://schemas.microsoft.com/office/drawing/2014/main" id="{D0B3C27D-ACBF-422C-8DEA-73B670309189}"/>
               </a:ext>
             </a:extLst>
           </p:cNvPr>
@@ -8294,18 +8171,18 @@
           <a:lstStyle/>
           <a:p>
             <a:r>
-              <a:rPr lang="es-MX" dirty="0"/>
-              <a:t>Introducción</a:t>
-            </a:r>
-          </a:p>
-        </p:txBody>
-      </p:sp>
-      <p:sp>
-        <p:nvSpPr>
-          <p:cNvPr id="3" name="Marcador de contenido 2">
+              <a:rPr lang="es-MX" sz="3400"/>
+              <a:t>Documentación</a:t>
+            </a:r>
+          </a:p>
+        </p:txBody>
+      </p:sp>
+      <p:sp>
+        <p:nvSpPr>
+          <p:cNvPr id="13" name="Marcador de contenido 2">
             <a:extLst>
               <a:ext uri="{FF2B5EF4-FFF2-40B4-BE49-F238E27FC236}">
-                <a16:creationId xmlns:a16="http://schemas.microsoft.com/office/drawing/2014/main" id="{E69DC86A-28CE-403B-9872-AF64C142D7EB}"/>
+                <a16:creationId xmlns:a16="http://schemas.microsoft.com/office/drawing/2014/main" id="{1E171B76-961A-47DF-BB2D-1063D5820DF9}"/>
               </a:ext>
             </a:extLst>
           </p:cNvPr>
@@ -8333,55 +8210,17 @@
               <a:buNone/>
             </a:pPr>
             <a:r>
-              <a:rPr lang="es-MX" dirty="0"/>
-              <a:t>MIPS por las siglas de </a:t>
-            </a:r>
-            <a:r>
-              <a:rPr lang="es-MX" dirty="0" err="1"/>
-              <a:t>Microprocessor</a:t>
-            </a:r>
-            <a:r>
-              <a:rPr lang="es-MX" dirty="0"/>
-              <a:t> </a:t>
-            </a:r>
-            <a:r>
-              <a:rPr lang="es-MX" dirty="0" err="1"/>
-              <a:t>without</a:t>
-            </a:r>
-            <a:r>
-              <a:rPr lang="es-MX" dirty="0"/>
-              <a:t> </a:t>
-            </a:r>
-            <a:r>
-              <a:rPr lang="es-MX" dirty="0" err="1"/>
-              <a:t>Interlocked</a:t>
-            </a:r>
-            <a:r>
-              <a:rPr lang="es-MX" dirty="0"/>
-              <a:t> Pipeline </a:t>
-            </a:r>
-            <a:r>
-              <a:rPr lang="es-MX" dirty="0" err="1"/>
-              <a:t>Stages</a:t>
-            </a:r>
-            <a:r>
-              <a:rPr lang="es-MX" dirty="0"/>
-              <a:t>, se conoce a toda una familia de microprocesadores de arquitectura RISC desarrollados por MIPS Technologies.</a:t>
+              <a:rPr lang="es-MX"/>
+              <a:t>La documentación estuvo principalmente hecha por Francisco quien se encargó de crear el documento y hacer mayoría de la wiki.</a:t>
             </a:r>
           </a:p>
           <a:p>
             <a:pPr marL="0" indent="0">
               <a:buNone/>
             </a:pPr>
-            <a:endParaRPr lang="es-MX" dirty="0"/>
-          </a:p>
-          <a:p>
-            <a:pPr marL="0" indent="0">
-              <a:buNone/>
-            </a:pPr>
-            <a:r>
-              <a:rPr lang="es-MX" dirty="0"/>
-              <a:t>* El objetivo principal del proyecto es hacer una versión que tenga las funciones mínimas del procesador MIPS y correr programas simples en el.</a:t>
+            <a:r>
+              <a:rPr lang="es-MX"/>
+              <a:t>https://github.com/kwattt/MIPS-teams/wiki</a:t>
             </a:r>
           </a:p>
         </p:txBody>
@@ -8389,7 +8228,7 @@
     </p:spTree>
     <p:extLst>
       <p:ext uri="{BB962C8B-B14F-4D97-AF65-F5344CB8AC3E}">
-        <p14:creationId xmlns:p14="http://schemas.microsoft.com/office/powerpoint/2010/main" val="1880953234"/>
+        <p14:creationId xmlns:p14="http://schemas.microsoft.com/office/powerpoint/2010/main" val="2651698957"/>
       </p:ext>
     </p:extLst>
   </p:cSld>
@@ -8399,7 +8238,131 @@
 </p:sld>
 </file>
 
-<file path=ppt/slides/slide3.xml><?xml version="1.0" encoding="utf-8"?>
+<file path=ppt/slides/slide17.xml><?xml version="1.0" encoding="utf-8"?>
+<p:sld xmlns:a="http://schemas.openxmlformats.org/drawingml/2006/main" xmlns:r="http://schemas.openxmlformats.org/officeDocument/2006/relationships" xmlns:p="http://schemas.openxmlformats.org/presentationml/2006/main">
+  <p:cSld>
+    <p:spTree>
+      <p:nvGrpSpPr>
+        <p:cNvPr id="1" name=""/>
+        <p:cNvGrpSpPr/>
+        <p:nvPr/>
+      </p:nvGrpSpPr>
+      <p:grpSpPr>
+        <a:xfrm>
+          <a:off x="0" y="0"/>
+          <a:ext cx="0" cy="0"/>
+          <a:chOff x="0" y="0"/>
+          <a:chExt cx="0" cy="0"/>
+        </a:xfrm>
+      </p:grpSpPr>
+      <p:sp>
+        <p:nvSpPr>
+          <p:cNvPr id="2" name="Título 1">
+            <a:extLst>
+              <a:ext uri="{FF2B5EF4-FFF2-40B4-BE49-F238E27FC236}">
+                <a16:creationId xmlns:a16="http://schemas.microsoft.com/office/drawing/2014/main" id="{A935BD1B-708C-4B65-8CFE-F176305CBCD5}"/>
+              </a:ext>
+            </a:extLst>
+          </p:cNvPr>
+          <p:cNvSpPr>
+            <a:spLocks noGrp="1"/>
+          </p:cNvSpPr>
+          <p:nvPr>
+            <p:ph type="title"/>
+          </p:nvPr>
+        </p:nvSpPr>
+        <p:spPr/>
+        <p:txBody>
+          <a:bodyPr/>
+          <a:lstStyle/>
+          <a:p>
+            <a:r>
+              <a:rPr lang="es-MX" dirty="0"/>
+              <a:t>Referencias</a:t>
+            </a:r>
+          </a:p>
+        </p:txBody>
+      </p:sp>
+      <p:sp>
+        <p:nvSpPr>
+          <p:cNvPr id="3" name="Marcador de contenido 2">
+            <a:extLst>
+              <a:ext uri="{FF2B5EF4-FFF2-40B4-BE49-F238E27FC236}">
+                <a16:creationId xmlns:a16="http://schemas.microsoft.com/office/drawing/2014/main" id="{E1F00883-9636-4395-A5F0-FADE0A165404}"/>
+              </a:ext>
+            </a:extLst>
+          </p:cNvPr>
+          <p:cNvSpPr>
+            <a:spLocks noGrp="1"/>
+          </p:cNvSpPr>
+          <p:nvPr>
+            <p:ph idx="1"/>
+          </p:nvPr>
+        </p:nvSpPr>
+        <p:spPr/>
+        <p:txBody>
+          <a:bodyPr/>
+          <a:lstStyle/>
+          <a:p>
+            <a:pPr marL="0" indent="0">
+              <a:buNone/>
+            </a:pPr>
+            <a:r>
+              <a:rPr lang="en-US" dirty="0"/>
+              <a:t>The MIPS32 MIPS Architecture for Programmers  Volume </a:t>
+            </a:r>
+            <a:r>
+              <a:rPr lang="en-US" dirty="0" err="1"/>
+              <a:t>ll</a:t>
+            </a:r>
+            <a:r>
+              <a:rPr lang="en-US" dirty="0"/>
+              <a:t>-A http://www.nec.co.jp/press/en/9801/2002.html Computer Organization and Design</a:t>
+            </a:r>
+          </a:p>
+          <a:p>
+            <a:pPr marL="0" indent="0">
+              <a:buNone/>
+            </a:pPr>
+            <a:r>
+              <a:rPr lang="en-US" dirty="0"/>
+              <a:t> 5thEdition David A. Patterson/</a:t>
+            </a:r>
+            <a:r>
+              <a:rPr lang="en-US" dirty="0" err="1"/>
+              <a:t>Jhon</a:t>
+            </a:r>
+            <a:r>
+              <a:rPr lang="en-US" dirty="0"/>
+              <a:t> L. Hennessy</a:t>
+            </a:r>
+          </a:p>
+          <a:p>
+            <a:pPr marL="0" indent="0">
+              <a:buNone/>
+            </a:pPr>
+            <a:r>
+              <a:rPr lang="en-US" dirty="0"/>
+              <a:t>https://web.archive.org/web/20150719075343/http://www.sumagamer.com/noticias/newhorizons-mismo-procesador-playstation/ </a:t>
+            </a:r>
+            <a:endParaRPr lang="es-MX" dirty="0"/>
+          </a:p>
+        </p:txBody>
+      </p:sp>
+    </p:spTree>
+    <p:extLst>
+      <p:ext uri="{BB962C8B-B14F-4D97-AF65-F5344CB8AC3E}">
+        <p14:creationId xmlns:p14="http://schemas.microsoft.com/office/powerpoint/2010/main" val="802967408"/>
+      </p:ext>
+    </p:extLst>
+  </p:cSld>
+  <p:clrMapOvr>
+    <a:masterClrMapping/>
+  </p:clrMapOvr>
+</p:sld>
+</file>
+
+<file path=ppt/slides/slide2.xml><?xml version="1.0" encoding="utf-8"?>
 <p:sld xmlns:a="http://schemas.openxmlformats.org/drawingml/2006/main" xmlns:r="http://schemas.openxmlformats.org/officeDocument/2006/relationships" xmlns:p="http://schemas.openxmlformats.org/presentationml/2006/main">
   <p:cSld>
     <p:bg>
@@ -8697,7 +8660,7 @@
           <a:effectLst/>
           <a:extLst>
             <a:ext uri="{91240B29-F687-4f45-9708-019B960494DF}">
-              <a14:hiddenLine xmlns:a16="http://schemas.microsoft.com/office/drawing/2014/main" xmlns:p14="http://schemas.microsoft.com/office/powerpoint/2010/main" xmlns:a14="http://schemas.microsoft.com/office/drawing/2010/main" xmlns="" w="9525">
+              <a14:hiddenLine xmlns="" xmlns:a14="http://schemas.microsoft.com/office/drawing/2010/main" xmlns:p14="http://schemas.microsoft.com/office/powerpoint/2010/main" xmlns:a16="http://schemas.microsoft.com/office/drawing/2014/main" w="9525">
                 <a:solidFill>
                   <a:srgbClr val="000000"/>
                 </a:solidFill>
@@ -8728,7 +8691,7 @@
           <p:cNvPr id="2" name="Título 1">
             <a:extLst>
               <a:ext uri="{FF2B5EF4-FFF2-40B4-BE49-F238E27FC236}">
-                <a16:creationId xmlns:a16="http://schemas.microsoft.com/office/drawing/2014/main" id="{A5845E77-C783-4FCE-A804-4971333B263B}"/>
+                <a16:creationId xmlns:a16="http://schemas.microsoft.com/office/drawing/2014/main" id="{283F1C7C-7D2B-4E24-924C-EF0FA543BB98}"/>
               </a:ext>
             </a:extLst>
           </p:cNvPr>
@@ -8752,10 +8715,9 @@
           <a:lstStyle/>
           <a:p>
             <a:r>
-              <a:rPr lang="es-MX"/>
-              <a:t>Planeación</a:t>
-            </a:r>
-            <a:endParaRPr lang="es-MX" dirty="0"/>
+              <a:rPr lang="es-MX" dirty="0"/>
+              <a:t>Introducción</a:t>
+            </a:r>
           </a:p>
         </p:txBody>
       </p:sp>
@@ -8764,7 +8726,7 @@
           <p:cNvPr id="3" name="Marcador de contenido 2">
             <a:extLst>
               <a:ext uri="{FF2B5EF4-FFF2-40B4-BE49-F238E27FC236}">
-                <a16:creationId xmlns:a16="http://schemas.microsoft.com/office/drawing/2014/main" id="{1F71C464-230E-4D63-8E22-1CEA7043F211}"/>
+                <a16:creationId xmlns:a16="http://schemas.microsoft.com/office/drawing/2014/main" id="{E69DC86A-28CE-403B-9872-AF64C142D7EB}"/>
               </a:ext>
             </a:extLst>
           </p:cNvPr>
@@ -8792,8 +8754,40 @@
               <a:buNone/>
             </a:pPr>
             <a:r>
-              <a:rPr lang="es-MX"/>
-              <a:t>En nuestro caso el proyecto se dividió en 3 fases para crear el MIPS en Verilog, la documentación y decodificación fueron realizadas a la par que con el Verilog</a:t>
+              <a:rPr lang="es-MX" dirty="0"/>
+              <a:t>MIPS por las siglas de </a:t>
+            </a:r>
+            <a:r>
+              <a:rPr lang="es-MX" dirty="0" err="1"/>
+              <a:t>Microprocessor</a:t>
+            </a:r>
+            <a:r>
+              <a:rPr lang="es-MX" dirty="0"/>
+              <a:t> </a:t>
+            </a:r>
+            <a:r>
+              <a:rPr lang="es-MX" dirty="0" err="1"/>
+              <a:t>without</a:t>
+            </a:r>
+            <a:r>
+              <a:rPr lang="es-MX" dirty="0"/>
+              <a:t> </a:t>
+            </a:r>
+            <a:r>
+              <a:rPr lang="es-MX" dirty="0" err="1"/>
+              <a:t>Interlocked</a:t>
+            </a:r>
+            <a:r>
+              <a:rPr lang="es-MX" dirty="0"/>
+              <a:t> Pipeline </a:t>
+            </a:r>
+            <a:r>
+              <a:rPr lang="es-MX" dirty="0" err="1"/>
+              <a:t>Stages</a:t>
+            </a:r>
+            <a:r>
+              <a:rPr lang="es-MX" dirty="0"/>
+              <a:t>, se conoce a toda una familia de microprocesadores de arquitectura RISC desarrollados por MIPS Technologies.</a:t>
             </a:r>
           </a:p>
           <a:p>
@@ -8802,12 +8796,21 @@
             </a:pPr>
             <a:endParaRPr lang="es-MX" dirty="0"/>
           </a:p>
+          <a:p>
+            <a:pPr marL="0" indent="0">
+              <a:buNone/>
+            </a:pPr>
+            <a:r>
+              <a:rPr lang="es-MX" dirty="0"/>
+              <a:t>* El objetivo principal del proyecto es hacer una versión que tenga las funciones mínimas del procesador MIPS y correr programas simples en el.</a:t>
+            </a:r>
+          </a:p>
         </p:txBody>
       </p:sp>
     </p:spTree>
     <p:extLst>
       <p:ext uri="{BB962C8B-B14F-4D97-AF65-F5344CB8AC3E}">
-        <p14:creationId xmlns:p14="http://schemas.microsoft.com/office/powerpoint/2010/main" val="447926328"/>
+        <p14:creationId xmlns:p14="http://schemas.microsoft.com/office/powerpoint/2010/main" val="1880953234"/>
       </p:ext>
     </p:extLst>
   </p:cSld>
@@ -8817,7 +8820,7 @@
 </p:sld>
 </file>
 
-<file path=ppt/slides/slide4.xml><?xml version="1.0" encoding="utf-8"?>
+<file path=ppt/slides/slide3.xml><?xml version="1.0" encoding="utf-8"?>
 <p:sld xmlns:a="http://schemas.openxmlformats.org/drawingml/2006/main" xmlns:r="http://schemas.openxmlformats.org/officeDocument/2006/relationships" xmlns:p="http://schemas.openxmlformats.org/presentationml/2006/main">
   <p:cSld>
     <p:bg>
@@ -8844,7 +8847,7 @@
       </p:grpSpPr>
       <p:sp useBgFill="1">
         <p:nvSpPr>
-          <p:cNvPr id="19" name="Rectangle 18">
+          <p:cNvPr id="8" name="Rectangle 7">
             <a:extLst>
               <a:ext uri="{FF2B5EF4-FFF2-40B4-BE49-F238E27FC236}">
                 <a16:creationId xmlns:a16="http://schemas.microsoft.com/office/drawing/2014/main" id="{089A69AF-D57B-49B4-886C-D4A5DC194421}"/>
@@ -8904,7 +8907,7 @@
       </p:sp>
       <p:sp>
         <p:nvSpPr>
-          <p:cNvPr id="21" name="Freeform: Shape 20">
+          <p:cNvPr id="10" name="Freeform: Shape 9">
             <a:extLst>
               <a:ext uri="{FF2B5EF4-FFF2-40B4-BE49-F238E27FC236}">
                 <a16:creationId xmlns:a16="http://schemas.microsoft.com/office/drawing/2014/main" id="{CABDC08D-6093-4397-92D4-54D00E2BB1C2}"/>
@@ -9115,7 +9118,425 @@
           <a:effectLst/>
           <a:extLst>
             <a:ext uri="{91240B29-F687-4f45-9708-019B960494DF}">
-              <a14:hiddenLine xmlns:a16="http://schemas.microsoft.com/office/drawing/2014/main" xmlns:p14="http://schemas.microsoft.com/office/powerpoint/2010/main" xmlns:a14="http://schemas.microsoft.com/office/drawing/2010/main" xmlns="" w="9525">
+              <a14:hiddenLine xmlns="" xmlns:a14="http://schemas.microsoft.com/office/drawing/2010/main" xmlns:p14="http://schemas.microsoft.com/office/powerpoint/2010/main" xmlns:a16="http://schemas.microsoft.com/office/drawing/2014/main" w="9525">
+                <a:solidFill>
+                  <a:srgbClr val="000000"/>
+                </a:solidFill>
+                <a:round/>
+                <a:headEnd/>
+                <a:tailEnd/>
+              </a14:hiddenLine>
+            </a:ext>
+          </a:extLst>
+        </p:spPr>
+        <p:style>
+          <a:lnRef idx="1">
+            <a:schemeClr val="accent1"/>
+          </a:lnRef>
+          <a:fillRef idx="3">
+            <a:schemeClr val="accent1"/>
+          </a:fillRef>
+          <a:effectRef idx="2">
+            <a:schemeClr val="accent1"/>
+          </a:effectRef>
+          <a:fontRef idx="minor">
+            <a:schemeClr val="lt1"/>
+          </a:fontRef>
+        </p:style>
+      </p:sp>
+      <p:sp>
+        <p:nvSpPr>
+          <p:cNvPr id="2" name="Título 1">
+            <a:extLst>
+              <a:ext uri="{FF2B5EF4-FFF2-40B4-BE49-F238E27FC236}">
+                <a16:creationId xmlns:a16="http://schemas.microsoft.com/office/drawing/2014/main" id="{A5845E77-C783-4FCE-A804-4971333B263B}"/>
+              </a:ext>
+            </a:extLst>
+          </p:cNvPr>
+          <p:cNvSpPr>
+            <a:spLocks noGrp="1"/>
+          </p:cNvSpPr>
+          <p:nvPr>
+            <p:ph type="title"/>
+          </p:nvPr>
+        </p:nvSpPr>
+        <p:spPr>
+          <a:xfrm>
+            <a:off x="451515" y="1734857"/>
+            <a:ext cx="3765483" cy="3388287"/>
+          </a:xfrm>
+        </p:spPr>
+        <p:txBody>
+          <a:bodyPr anchor="ctr">
+            <a:normAutofit/>
+          </a:bodyPr>
+          <a:lstStyle/>
+          <a:p>
+            <a:r>
+              <a:rPr lang="es-MX"/>
+              <a:t>Planeación</a:t>
+            </a:r>
+            <a:endParaRPr lang="es-MX" dirty="0"/>
+          </a:p>
+        </p:txBody>
+      </p:sp>
+      <p:sp>
+        <p:nvSpPr>
+          <p:cNvPr id="3" name="Marcador de contenido 2">
+            <a:extLst>
+              <a:ext uri="{FF2B5EF4-FFF2-40B4-BE49-F238E27FC236}">
+                <a16:creationId xmlns:a16="http://schemas.microsoft.com/office/drawing/2014/main" id="{1F71C464-230E-4D63-8E22-1CEA7043F211}"/>
+              </a:ext>
+            </a:extLst>
+          </p:cNvPr>
+          <p:cNvSpPr>
+            <a:spLocks noGrp="1"/>
+          </p:cNvSpPr>
+          <p:nvPr>
+            <p:ph idx="1"/>
+          </p:nvPr>
+        </p:nvSpPr>
+        <p:spPr>
+          <a:xfrm>
+            <a:off x="6008068" y="978993"/>
+            <a:ext cx="5365218" cy="4900014"/>
+          </a:xfrm>
+          <a:effectLst/>
+        </p:spPr>
+        <p:txBody>
+          <a:bodyPr>
+            <a:normAutofit/>
+          </a:bodyPr>
+          <a:lstStyle/>
+          <a:p>
+            <a:pPr marL="0" indent="0">
+              <a:buNone/>
+            </a:pPr>
+            <a:r>
+              <a:rPr lang="es-MX"/>
+              <a:t>En nuestro caso el proyecto se dividió en 3 fases para crear el MIPS en Verilog, la documentación y decodificación fueron realizadas a la par que con el Verilog</a:t>
+            </a:r>
+          </a:p>
+          <a:p>
+            <a:pPr marL="0" indent="0">
+              <a:buNone/>
+            </a:pPr>
+            <a:endParaRPr lang="es-MX" dirty="0"/>
+          </a:p>
+        </p:txBody>
+      </p:sp>
+    </p:spTree>
+    <p:extLst>
+      <p:ext uri="{BB962C8B-B14F-4D97-AF65-F5344CB8AC3E}">
+        <p14:creationId xmlns:p14="http://schemas.microsoft.com/office/powerpoint/2010/main" val="447926328"/>
+      </p:ext>
+    </p:extLst>
+  </p:cSld>
+  <p:clrMapOvr>
+    <a:masterClrMapping/>
+  </p:clrMapOvr>
+</p:sld>
+</file>
+
+<file path=ppt/slides/slide4.xml><?xml version="1.0" encoding="utf-8"?>
+<p:sld xmlns:a="http://schemas.openxmlformats.org/drawingml/2006/main" xmlns:r="http://schemas.openxmlformats.org/officeDocument/2006/relationships" xmlns:p="http://schemas.openxmlformats.org/presentationml/2006/main">
+  <p:cSld>
+    <p:bg>
+      <p:bgPr>
+        <a:solidFill>
+          <a:schemeClr val="bg2"/>
+        </a:solidFill>
+        <a:effectLst/>
+      </p:bgPr>
+    </p:bg>
+    <p:spTree>
+      <p:nvGrpSpPr>
+        <p:cNvPr id="1" name=""/>
+        <p:cNvGrpSpPr/>
+        <p:nvPr/>
+      </p:nvGrpSpPr>
+      <p:grpSpPr>
+        <a:xfrm>
+          <a:off x="0" y="0"/>
+          <a:ext cx="0" cy="0"/>
+          <a:chOff x="0" y="0"/>
+          <a:chExt cx="0" cy="0"/>
+        </a:xfrm>
+      </p:grpSpPr>
+      <p:sp useBgFill="1">
+        <p:nvSpPr>
+          <p:cNvPr id="19" name="Rectangle 18">
+            <a:extLst>
+              <a:ext uri="{FF2B5EF4-FFF2-40B4-BE49-F238E27FC236}">
+                <a16:creationId xmlns:a16="http://schemas.microsoft.com/office/drawing/2014/main" id="{089A69AF-D57B-49B4-886C-D4A5DC194421}"/>
+              </a:ext>
+              <a:ext uri="{C183D7F6-B498-43B3-948B-1728B52AA6E4}">
+                <adec:decorative xmlns:adec="http://schemas.microsoft.com/office/drawing/2017/decorative" val="1"/>
+              </a:ext>
+            </a:extLst>
+          </p:cNvPr>
+          <p:cNvSpPr>
+            <a:spLocks noGrp="1" noRot="1" noChangeAspect="1" noMove="1" noResize="1" noEditPoints="1" noAdjustHandles="1" noChangeArrowheads="1" noChangeShapeType="1" noTextEdit="1"/>
+          </p:cNvSpPr>
+          <p:nvPr>
+            <p:extLst>
+              <p:ext uri="{386F3935-93C4-4BCD-93E2-E3B085C9AB24}">
+                <p16:designElem xmlns:p16="http://schemas.microsoft.com/office/powerpoint/2015/main" val="1"/>
+              </p:ext>
+            </p:extLst>
+          </p:nvPr>
+        </p:nvSpPr>
+        <p:spPr>
+          <a:xfrm>
+            <a:off x="0" y="0"/>
+            <a:ext cx="12192000" cy="6858000"/>
+          </a:xfrm>
+          <a:prstGeom prst="rect">
+            <a:avLst/>
+          </a:prstGeom>
+          <a:ln>
+            <a:noFill/>
+          </a:ln>
+        </p:spPr>
+        <p:style>
+          <a:lnRef idx="2">
+            <a:schemeClr val="accent1">
+              <a:shade val="50000"/>
+            </a:schemeClr>
+          </a:lnRef>
+          <a:fillRef idx="1">
+            <a:schemeClr val="accent1"/>
+          </a:fillRef>
+          <a:effectRef idx="0">
+            <a:schemeClr val="accent1"/>
+          </a:effectRef>
+          <a:fontRef idx="minor">
+            <a:schemeClr val="lt1"/>
+          </a:fontRef>
+        </p:style>
+        <p:txBody>
+          <a:bodyPr rtlCol="0" anchor="ctr"/>
+          <a:lstStyle/>
+          <a:p>
+            <a:pPr algn="ctr"/>
+            <a:endParaRPr lang="en-US"/>
+          </a:p>
+        </p:txBody>
+      </p:sp>
+      <p:sp>
+        <p:nvSpPr>
+          <p:cNvPr id="21" name="Freeform: Shape 20">
+            <a:extLst>
+              <a:ext uri="{FF2B5EF4-FFF2-40B4-BE49-F238E27FC236}">
+                <a16:creationId xmlns:a16="http://schemas.microsoft.com/office/drawing/2014/main" id="{CABDC08D-6093-4397-92D4-54D00E2BB1C2}"/>
+              </a:ext>
+              <a:ext uri="{C183D7F6-B498-43B3-948B-1728B52AA6E4}">
+                <adec:decorative xmlns:adec="http://schemas.microsoft.com/office/drawing/2017/decorative" val="1"/>
+              </a:ext>
+            </a:extLst>
+          </p:cNvPr>
+          <p:cNvSpPr>
+            <a:spLocks noGrp="1" noRot="1" noChangeAspect="1" noMove="1" noResize="1" noEditPoints="1" noAdjustHandles="1" noChangeArrowheads="1" noChangeShapeType="1" noTextEdit="1"/>
+          </p:cNvSpPr>
+          <p:nvPr>
+            <p:extLst>
+              <p:ext uri="{386F3935-93C4-4BCD-93E2-E3B085C9AB24}">
+                <p16:designElem xmlns:p16="http://schemas.microsoft.com/office/powerpoint/2015/main" val="1"/>
+              </p:ext>
+            </p:extLst>
+          </p:nvPr>
+        </p:nvSpPr>
+        <p:spPr bwMode="auto">
+          <a:xfrm rot="16200000">
+            <a:off x="-650724" y="650724"/>
+            <a:ext cx="6858000" cy="5556552"/>
+          </a:xfrm>
+          <a:custGeom>
+            <a:avLst/>
+            <a:gdLst>
+              <a:gd name="connsiteX0" fmla="*/ 6858000 w 6858000"/>
+              <a:gd name="connsiteY0" fmla="*/ 3445704 h 5556552"/>
+              <a:gd name="connsiteX1" fmla="*/ 3829242 w 6858000"/>
+              <a:gd name="connsiteY1" fmla="*/ 5433322 h 5556552"/>
+              <a:gd name="connsiteX2" fmla="*/ 3827369 w 6858000"/>
+              <a:gd name="connsiteY2" fmla="*/ 5434867 h 5556552"/>
+              <a:gd name="connsiteX3" fmla="*/ 3824583 w 6858000"/>
+              <a:gd name="connsiteY3" fmla="*/ 5436378 h 5556552"/>
+              <a:gd name="connsiteX4" fmla="*/ 3798693 w 6858000"/>
+              <a:gd name="connsiteY4" fmla="*/ 5453370 h 5556552"/>
+              <a:gd name="connsiteX5" fmla="*/ 3785011 w 6858000"/>
+              <a:gd name="connsiteY5" fmla="*/ 5457858 h 5556552"/>
+              <a:gd name="connsiteX6" fmla="*/ 3706339 w 6858000"/>
+              <a:gd name="connsiteY6" fmla="*/ 5500559 h 5556552"/>
+              <a:gd name="connsiteX7" fmla="*/ 3428998 w 6858000"/>
+              <a:gd name="connsiteY7" fmla="*/ 5556552 h 5556552"/>
+              <a:gd name="connsiteX8" fmla="*/ 3151658 w 6858000"/>
+              <a:gd name="connsiteY8" fmla="*/ 5500559 h 5556552"/>
+              <a:gd name="connsiteX9" fmla="*/ 3072996 w 6858000"/>
+              <a:gd name="connsiteY9" fmla="*/ 5457863 h 5556552"/>
+              <a:gd name="connsiteX10" fmla="*/ 3059298 w 6858000"/>
+              <a:gd name="connsiteY10" fmla="*/ 5453370 h 5556552"/>
+              <a:gd name="connsiteX11" fmla="*/ 3033383 w 6858000"/>
+              <a:gd name="connsiteY11" fmla="*/ 5436362 h 5556552"/>
+              <a:gd name="connsiteX12" fmla="*/ 3030627 w 6858000"/>
+              <a:gd name="connsiteY12" fmla="*/ 5434867 h 5556552"/>
+              <a:gd name="connsiteX13" fmla="*/ 3028775 w 6858000"/>
+              <a:gd name="connsiteY13" fmla="*/ 5433338 h 5556552"/>
+              <a:gd name="connsiteX14" fmla="*/ 0 w 6858000"/>
+              <a:gd name="connsiteY14" fmla="*/ 3445704 h 5556552"/>
+              <a:gd name="connsiteX15" fmla="*/ 6858000 w 6858000"/>
+              <a:gd name="connsiteY15" fmla="*/ 0 h 5556552"/>
+              <a:gd name="connsiteX16" fmla="*/ 6858000 w 6858000"/>
+              <a:gd name="connsiteY16" fmla="*/ 349336 h 5556552"/>
+              <a:gd name="connsiteX17" fmla="*/ 6858000 w 6858000"/>
+              <a:gd name="connsiteY17" fmla="*/ 3445703 h 5556552"/>
+              <a:gd name="connsiteX18" fmla="*/ 0 w 6858000"/>
+              <a:gd name="connsiteY18" fmla="*/ 3445703 h 5556552"/>
+              <a:gd name="connsiteX19" fmla="*/ 0 w 6858000"/>
+              <a:gd name="connsiteY19" fmla="*/ 0 h 5556552"/>
+            </a:gdLst>
+            <a:ahLst/>
+            <a:cxnLst>
+              <a:cxn ang="0">
+                <a:pos x="connsiteX0" y="connsiteY0"/>
+              </a:cxn>
+              <a:cxn ang="0">
+                <a:pos x="connsiteX1" y="connsiteY1"/>
+              </a:cxn>
+              <a:cxn ang="0">
+                <a:pos x="connsiteX2" y="connsiteY2"/>
+              </a:cxn>
+              <a:cxn ang="0">
+                <a:pos x="connsiteX3" y="connsiteY3"/>
+              </a:cxn>
+              <a:cxn ang="0">
+                <a:pos x="connsiteX4" y="connsiteY4"/>
+              </a:cxn>
+              <a:cxn ang="0">
+                <a:pos x="connsiteX5" y="connsiteY5"/>
+              </a:cxn>
+              <a:cxn ang="0">
+                <a:pos x="connsiteX6" y="connsiteY6"/>
+              </a:cxn>
+              <a:cxn ang="0">
+                <a:pos x="connsiteX7" y="connsiteY7"/>
+              </a:cxn>
+              <a:cxn ang="0">
+                <a:pos x="connsiteX8" y="connsiteY8"/>
+              </a:cxn>
+              <a:cxn ang="0">
+                <a:pos x="connsiteX9" y="connsiteY9"/>
+              </a:cxn>
+              <a:cxn ang="0">
+                <a:pos x="connsiteX10" y="connsiteY10"/>
+              </a:cxn>
+              <a:cxn ang="0">
+                <a:pos x="connsiteX11" y="connsiteY11"/>
+              </a:cxn>
+              <a:cxn ang="0">
+                <a:pos x="connsiteX12" y="connsiteY12"/>
+              </a:cxn>
+              <a:cxn ang="0">
+                <a:pos x="connsiteX13" y="connsiteY13"/>
+              </a:cxn>
+              <a:cxn ang="0">
+                <a:pos x="connsiteX14" y="connsiteY14"/>
+              </a:cxn>
+              <a:cxn ang="0">
+                <a:pos x="connsiteX15" y="connsiteY15"/>
+              </a:cxn>
+              <a:cxn ang="0">
+                <a:pos x="connsiteX16" y="connsiteY16"/>
+              </a:cxn>
+              <a:cxn ang="0">
+                <a:pos x="connsiteX17" y="connsiteY17"/>
+              </a:cxn>
+              <a:cxn ang="0">
+                <a:pos x="connsiteX18" y="connsiteY18"/>
+              </a:cxn>
+              <a:cxn ang="0">
+                <a:pos x="connsiteX19" y="connsiteY19"/>
+              </a:cxn>
+            </a:cxnLst>
+            <a:rect l="l" t="t" r="r" b="b"/>
+            <a:pathLst>
+              <a:path w="6858000" h="5556552">
+                <a:moveTo>
+                  <a:pt x="6858000" y="3445704"/>
+                </a:moveTo>
+                <a:lnTo>
+                  <a:pt x="3829242" y="5433322"/>
+                </a:lnTo>
+                <a:lnTo>
+                  <a:pt x="3827369" y="5434867"/>
+                </a:lnTo>
+                <a:lnTo>
+                  <a:pt x="3824583" y="5436378"/>
+                </a:lnTo>
+                <a:lnTo>
+                  <a:pt x="3798693" y="5453370"/>
+                </a:lnTo>
+                <a:lnTo>
+                  <a:pt x="3785011" y="5457858"/>
+                </a:lnTo>
+                <a:lnTo>
+                  <a:pt x="3706339" y="5500559"/>
+                </a:lnTo>
+                <a:cubicBezTo>
+                  <a:pt x="3621096" y="5536614"/>
+                  <a:pt x="3527375" y="5556552"/>
+                  <a:pt x="3428998" y="5556552"/>
+                </a:cubicBezTo>
+                <a:cubicBezTo>
+                  <a:pt x="3330621" y="5556552"/>
+                  <a:pt x="3236901" y="5536614"/>
+                  <a:pt x="3151658" y="5500559"/>
+                </a:cubicBezTo>
+                <a:lnTo>
+                  <a:pt x="3072996" y="5457863"/>
+                </a:lnTo>
+                <a:lnTo>
+                  <a:pt x="3059298" y="5453370"/>
+                </a:lnTo>
+                <a:lnTo>
+                  <a:pt x="3033383" y="5436362"/>
+                </a:lnTo>
+                <a:lnTo>
+                  <a:pt x="3030627" y="5434867"/>
+                </a:lnTo>
+                <a:lnTo>
+                  <a:pt x="3028775" y="5433338"/>
+                </a:lnTo>
+                <a:lnTo>
+                  <a:pt x="0" y="3445704"/>
+                </a:lnTo>
+                <a:close/>
+                <a:moveTo>
+                  <a:pt x="6858000" y="0"/>
+                </a:moveTo>
+                <a:lnTo>
+                  <a:pt x="6858000" y="349336"/>
+                </a:lnTo>
+                <a:lnTo>
+                  <a:pt x="6858000" y="3445703"/>
+                </a:lnTo>
+                <a:lnTo>
+                  <a:pt x="0" y="3445703"/>
+                </a:lnTo>
+                <a:lnTo>
+                  <a:pt x="0" y="0"/>
+                </a:lnTo>
+                <a:close/>
+              </a:path>
+            </a:pathLst>
+          </a:custGeom>
+          <a:ln>
+            <a:noFill/>
+          </a:ln>
+          <a:effectLst/>
+          <a:extLst>
+            <a:ext uri="{91240B29-F687-4f45-9708-019B960494DF}">
+              <a14:hiddenLine xmlns="" xmlns:a14="http://schemas.microsoft.com/office/drawing/2010/main" xmlns:p14="http://schemas.microsoft.com/office/powerpoint/2010/main" xmlns:a16="http://schemas.microsoft.com/office/drawing/2014/main" w="9525">
                 <a:solidFill>
                   <a:srgbClr val="000000"/>
                 </a:solidFill>
